--- a/Presentation/Presentation.pptx
+++ b/Presentation/Presentation.pptx
@@ -110,6 +110,11 @@
       </a:defRPr>
     </a:lvl9pPr>
   </p:defaultTextStyle>
+  <p:extLst>
+    <p:ext uri="{EFAFB233-063F-42B5-8137-9DF3F51BA10A}">
+      <p15:sldGuideLst xmlns:p15="http://schemas.microsoft.com/office/powerpoint/2012/main"/>
+    </p:ext>
+  </p:extLst>
 </p:presentation>
 </file>
 
@@ -4175,6 +4180,36 @@
           </a:p>
         </p:txBody>
       </p:sp>
+      <p:pic>
+        <p:nvPicPr>
+          <p:cNvPr id="3" name="Picture 2"/>
+          <p:cNvPicPr>
+            <a:picLocks noChangeAspect="1"/>
+          </p:cNvPicPr>
+          <p:nvPr/>
+        </p:nvPicPr>
+        <p:blipFill>
+          <a:blip r:embed="rId2" cstate="print">
+            <a:extLst>
+              <a:ext uri="{28A0092B-C50C-407E-A947-70E740481C1C}">
+                <a14:useLocalDpi xmlns:a14="http://schemas.microsoft.com/office/drawing/2010/main" val="0"/>
+              </a:ext>
+            </a:extLst>
+          </a:blip>
+          <a:stretch>
+            <a:fillRect/>
+          </a:stretch>
+        </p:blipFill>
+        <p:spPr>
+          <a:xfrm>
+            <a:off x="4810125" y="1474998"/>
+            <a:ext cx="2571750" cy="4572000"/>
+          </a:xfrm>
+          <a:prstGeom prst="rect">
+            <a:avLst/>
+          </a:prstGeom>
+        </p:spPr>
+      </p:pic>
     </p:spTree>
     <p:extLst>
       <p:ext uri="{BB962C8B-B14F-4D97-AF65-F5344CB8AC3E}">
@@ -4188,7 +4223,121 @@
   <p:timing>
     <p:tnLst>
       <p:par>
-        <p:cTn id="1" dur="indefinite" restart="never" nodeType="tmRoot"/>
+        <p:cTn id="1" dur="indefinite" restart="never" nodeType="tmRoot">
+          <p:childTnLst>
+            <p:seq concurrent="1" nextAc="seek">
+              <p:cTn id="2" dur="indefinite" nodeType="mainSeq">
+                <p:childTnLst>
+                  <p:par>
+                    <p:cTn id="3" fill="hold">
+                      <p:stCondLst>
+                        <p:cond delay="indefinite"/>
+                      </p:stCondLst>
+                      <p:childTnLst>
+                        <p:par>
+                          <p:cTn id="4" fill="hold">
+                            <p:stCondLst>
+                              <p:cond delay="0"/>
+                            </p:stCondLst>
+                            <p:childTnLst>
+                              <p:par>
+                                <p:cTn id="5" presetID="2" presetClass="entr" presetSubtype="2" fill="hold" nodeType="clickEffect">
+                                  <p:stCondLst>
+                                    <p:cond delay="0"/>
+                                  </p:stCondLst>
+                                  <p:childTnLst>
+                                    <p:set>
+                                      <p:cBhvr>
+                                        <p:cTn id="6" dur="1" fill="hold">
+                                          <p:stCondLst>
+                                            <p:cond delay="0"/>
+                                          </p:stCondLst>
+                                        </p:cTn>
+                                        <p:tgtEl>
+                                          <p:spTgt spid="3"/>
+                                        </p:tgtEl>
+                                        <p:attrNameLst>
+                                          <p:attrName>style.visibility</p:attrName>
+                                        </p:attrNameLst>
+                                      </p:cBhvr>
+                                      <p:to>
+                                        <p:strVal val="visible"/>
+                                      </p:to>
+                                    </p:set>
+                                    <p:anim calcmode="lin" valueType="num">
+                                      <p:cBhvr additive="base">
+                                        <p:cTn id="7" dur="1000" fill="hold"/>
+                                        <p:tgtEl>
+                                          <p:spTgt spid="3"/>
+                                        </p:tgtEl>
+                                        <p:attrNameLst>
+                                          <p:attrName>ppt_x</p:attrName>
+                                        </p:attrNameLst>
+                                      </p:cBhvr>
+                                      <p:tavLst>
+                                        <p:tav tm="0">
+                                          <p:val>
+                                            <p:strVal val="1+#ppt_w/2"/>
+                                          </p:val>
+                                        </p:tav>
+                                        <p:tav tm="100000">
+                                          <p:val>
+                                            <p:strVal val="#ppt_x"/>
+                                          </p:val>
+                                        </p:tav>
+                                      </p:tavLst>
+                                    </p:anim>
+                                    <p:anim calcmode="lin" valueType="num">
+                                      <p:cBhvr additive="base">
+                                        <p:cTn id="8" dur="1000" fill="hold"/>
+                                        <p:tgtEl>
+                                          <p:spTgt spid="3"/>
+                                        </p:tgtEl>
+                                        <p:attrNameLst>
+                                          <p:attrName>ppt_y</p:attrName>
+                                        </p:attrNameLst>
+                                      </p:cBhvr>
+                                      <p:tavLst>
+                                        <p:tav tm="0">
+                                          <p:val>
+                                            <p:strVal val="#ppt_y"/>
+                                          </p:val>
+                                        </p:tav>
+                                        <p:tav tm="100000">
+                                          <p:val>
+                                            <p:strVal val="#ppt_y"/>
+                                          </p:val>
+                                        </p:tav>
+                                      </p:tavLst>
+                                    </p:anim>
+                                  </p:childTnLst>
+                                </p:cTn>
+                              </p:par>
+                            </p:childTnLst>
+                          </p:cTn>
+                        </p:par>
+                      </p:childTnLst>
+                    </p:cTn>
+                  </p:par>
+                </p:childTnLst>
+              </p:cTn>
+              <p:prevCondLst>
+                <p:cond evt="onPrev" delay="0">
+                  <p:tgtEl>
+                    <p:sldTgt/>
+                  </p:tgtEl>
+                </p:cond>
+              </p:prevCondLst>
+              <p:nextCondLst>
+                <p:cond evt="onNext" delay="0">
+                  <p:tgtEl>
+                    <p:sldTgt/>
+                  </p:tgtEl>
+                </p:cond>
+              </p:nextCondLst>
+            </p:seq>
+          </p:childTnLst>
+        </p:cTn>
       </p:par>
     </p:tnLst>
   </p:timing>

--- a/Presentation/Presentation.pptx
+++ b/Presentation/Presentation.pptx
@@ -249,7 +249,7 @@
           <a:p>
             <a:fld id="{F0BA9880-096C-458A-8980-97432CCBD149}" type="datetimeFigureOut">
               <a:rPr lang="en-US" smtClean="0"/>
-              <a:t>1/21/2015</a:t>
+              <a:t>1/22/2015</a:t>
             </a:fld>
             <a:endParaRPr lang="en-US"/>
           </a:p>
@@ -419,7 +419,7 @@
           <a:p>
             <a:fld id="{F0BA9880-096C-458A-8980-97432CCBD149}" type="datetimeFigureOut">
               <a:rPr lang="en-US" smtClean="0"/>
-              <a:t>1/21/2015</a:t>
+              <a:t>1/22/2015</a:t>
             </a:fld>
             <a:endParaRPr lang="en-US"/>
           </a:p>
@@ -599,7 +599,7 @@
           <a:p>
             <a:fld id="{F0BA9880-096C-458A-8980-97432CCBD149}" type="datetimeFigureOut">
               <a:rPr lang="en-US" smtClean="0"/>
-              <a:t>1/21/2015</a:t>
+              <a:t>1/22/2015</a:t>
             </a:fld>
             <a:endParaRPr lang="en-US"/>
           </a:p>
@@ -769,7 +769,7 @@
           <a:p>
             <a:fld id="{F0BA9880-096C-458A-8980-97432CCBD149}" type="datetimeFigureOut">
               <a:rPr lang="en-US" smtClean="0"/>
-              <a:t>1/21/2015</a:t>
+              <a:t>1/22/2015</a:t>
             </a:fld>
             <a:endParaRPr lang="en-US"/>
           </a:p>
@@ -1015,7 +1015,7 @@
           <a:p>
             <a:fld id="{F0BA9880-096C-458A-8980-97432CCBD149}" type="datetimeFigureOut">
               <a:rPr lang="en-US" smtClean="0"/>
-              <a:t>1/21/2015</a:t>
+              <a:t>1/22/2015</a:t>
             </a:fld>
             <a:endParaRPr lang="en-US"/>
           </a:p>
@@ -1247,7 +1247,7 @@
           <a:p>
             <a:fld id="{F0BA9880-096C-458A-8980-97432CCBD149}" type="datetimeFigureOut">
               <a:rPr lang="en-US" smtClean="0"/>
-              <a:t>1/21/2015</a:t>
+              <a:t>1/22/2015</a:t>
             </a:fld>
             <a:endParaRPr lang="en-US"/>
           </a:p>
@@ -1614,7 +1614,7 @@
           <a:p>
             <a:fld id="{F0BA9880-096C-458A-8980-97432CCBD149}" type="datetimeFigureOut">
               <a:rPr lang="en-US" smtClean="0"/>
-              <a:t>1/21/2015</a:t>
+              <a:t>1/22/2015</a:t>
             </a:fld>
             <a:endParaRPr lang="en-US"/>
           </a:p>
@@ -1732,7 +1732,7 @@
           <a:p>
             <a:fld id="{F0BA9880-096C-458A-8980-97432CCBD149}" type="datetimeFigureOut">
               <a:rPr lang="en-US" smtClean="0"/>
-              <a:t>1/21/2015</a:t>
+              <a:t>1/22/2015</a:t>
             </a:fld>
             <a:endParaRPr lang="en-US"/>
           </a:p>
@@ -1827,7 +1827,7 @@
           <a:p>
             <a:fld id="{F0BA9880-096C-458A-8980-97432CCBD149}" type="datetimeFigureOut">
               <a:rPr lang="en-US" smtClean="0"/>
-              <a:t>1/21/2015</a:t>
+              <a:t>1/22/2015</a:t>
             </a:fld>
             <a:endParaRPr lang="en-US"/>
           </a:p>
@@ -2104,7 +2104,7 @@
           <a:p>
             <a:fld id="{F0BA9880-096C-458A-8980-97432CCBD149}" type="datetimeFigureOut">
               <a:rPr lang="en-US" smtClean="0"/>
-              <a:t>1/21/2015</a:t>
+              <a:t>1/22/2015</a:t>
             </a:fld>
             <a:endParaRPr lang="en-US"/>
           </a:p>
@@ -2357,7 +2357,7 @@
           <a:p>
             <a:fld id="{F0BA9880-096C-458A-8980-97432CCBD149}" type="datetimeFigureOut">
               <a:rPr lang="en-US" smtClean="0"/>
-              <a:t>1/21/2015</a:t>
+              <a:t>1/22/2015</a:t>
             </a:fld>
             <a:endParaRPr lang="en-US"/>
           </a:p>
@@ -2570,7 +2570,7 @@
           <a:p>
             <a:fld id="{F0BA9880-096C-458A-8980-97432CCBD149}" type="datetimeFigureOut">
               <a:rPr lang="en-US" smtClean="0"/>
-              <a:t>1/21/2015</a:t>
+              <a:t>1/22/2015</a:t>
             </a:fld>
             <a:endParaRPr lang="en-US"/>
           </a:p>
@@ -3018,11 +3018,21 @@
           <a:p>
             <a:r>
               <a:rPr lang="nl-NL" sz="9600" dirty="0" smtClean="0">
+                <a:solidFill>
+                  <a:schemeClr val="accent5">
+                    <a:lumMod val="50000"/>
+                  </a:schemeClr>
+                </a:solidFill>
                 <a:latin typeface="Gadugi" panose="020B0502040204020203" pitchFamily="34" charset="0"/>
               </a:rPr>
               <a:t>Escape</a:t>
             </a:r>
             <a:endParaRPr lang="en-US" sz="9600" dirty="0">
+              <a:solidFill>
+                <a:schemeClr val="accent5">
+                  <a:lumMod val="50000"/>
+                </a:schemeClr>
+              </a:solidFill>
               <a:latin typeface="Gadugi" panose="020B0502040204020203" pitchFamily="34" charset="0"/>
             </a:endParaRPr>
           </a:p>
@@ -3216,107 +3226,215 @@
           <a:p>
             <a:r>
               <a:rPr lang="nl-NL" dirty="0" err="1" smtClean="0">
+                <a:solidFill>
+                  <a:schemeClr val="accent5">
+                    <a:lumMod val="60000"/>
+                    <a:lumOff val="40000"/>
+                  </a:schemeClr>
+                </a:solidFill>
                 <a:latin typeface="+mj-lt"/>
               </a:rPr>
               <a:t>You</a:t>
             </a:r>
             <a:r>
               <a:rPr lang="nl-NL" dirty="0" smtClean="0">
+                <a:solidFill>
+                  <a:schemeClr val="accent5">
+                    <a:lumMod val="60000"/>
+                    <a:lumOff val="40000"/>
+                  </a:schemeClr>
+                </a:solidFill>
                 <a:latin typeface="+mj-lt"/>
               </a:rPr>
               <a:t> </a:t>
             </a:r>
             <a:r>
               <a:rPr lang="nl-NL" dirty="0" err="1" smtClean="0">
+                <a:solidFill>
+                  <a:schemeClr val="accent5">
+                    <a:lumMod val="60000"/>
+                    <a:lumOff val="40000"/>
+                  </a:schemeClr>
+                </a:solidFill>
                 <a:latin typeface="+mj-lt"/>
               </a:rPr>
               <a:t>only</a:t>
             </a:r>
             <a:r>
               <a:rPr lang="nl-NL" dirty="0" smtClean="0">
+                <a:solidFill>
+                  <a:schemeClr val="accent5">
+                    <a:lumMod val="60000"/>
+                    <a:lumOff val="40000"/>
+                  </a:schemeClr>
+                </a:solidFill>
                 <a:latin typeface="+mj-lt"/>
               </a:rPr>
               <a:t> get </a:t>
             </a:r>
             <a:r>
               <a:rPr lang="nl-NL" dirty="0" err="1" smtClean="0">
+                <a:solidFill>
+                  <a:schemeClr val="accent5">
+                    <a:lumMod val="60000"/>
+                    <a:lumOff val="40000"/>
+                  </a:schemeClr>
+                </a:solidFill>
                 <a:latin typeface="+mj-lt"/>
               </a:rPr>
               <a:t>one</a:t>
             </a:r>
             <a:r>
               <a:rPr lang="nl-NL" dirty="0" smtClean="0">
+                <a:solidFill>
+                  <a:schemeClr val="accent5">
+                    <a:lumMod val="60000"/>
+                    <a:lumOff val="40000"/>
+                  </a:schemeClr>
+                </a:solidFill>
                 <a:latin typeface="+mj-lt"/>
               </a:rPr>
               <a:t> chance </a:t>
             </a:r>
             <a:r>
               <a:rPr lang="nl-NL" dirty="0" err="1" smtClean="0">
+                <a:solidFill>
+                  <a:schemeClr val="accent5">
+                    <a:lumMod val="60000"/>
+                    <a:lumOff val="40000"/>
+                  </a:schemeClr>
+                </a:solidFill>
                 <a:latin typeface="+mj-lt"/>
               </a:rPr>
               <a:t>to</a:t>
             </a:r>
             <a:r>
               <a:rPr lang="nl-NL" dirty="0" smtClean="0">
+                <a:solidFill>
+                  <a:schemeClr val="accent5">
+                    <a:lumMod val="60000"/>
+                    <a:lumOff val="40000"/>
+                  </a:schemeClr>
+                </a:solidFill>
                 <a:latin typeface="+mj-lt"/>
               </a:rPr>
               <a:t> live, </a:t>
             </a:r>
             <a:r>
               <a:rPr lang="nl-NL" dirty="0" err="1" smtClean="0">
+                <a:solidFill>
+                  <a:schemeClr val="accent5">
+                    <a:lumMod val="60000"/>
+                    <a:lumOff val="40000"/>
+                  </a:schemeClr>
+                </a:solidFill>
                 <a:latin typeface="+mj-lt"/>
               </a:rPr>
               <a:t>don’t</a:t>
             </a:r>
             <a:r>
               <a:rPr lang="nl-NL" dirty="0" smtClean="0">
+                <a:solidFill>
+                  <a:schemeClr val="accent5">
+                    <a:lumMod val="60000"/>
+                    <a:lumOff val="40000"/>
+                  </a:schemeClr>
+                </a:solidFill>
                 <a:latin typeface="+mj-lt"/>
               </a:rPr>
               <a:t> </a:t>
             </a:r>
             <a:r>
               <a:rPr lang="nl-NL" dirty="0" err="1" smtClean="0">
+                <a:solidFill>
+                  <a:schemeClr val="accent5">
+                    <a:lumMod val="60000"/>
+                    <a:lumOff val="40000"/>
+                  </a:schemeClr>
+                </a:solidFill>
                 <a:latin typeface="+mj-lt"/>
               </a:rPr>
               <a:t>spend</a:t>
             </a:r>
             <a:r>
               <a:rPr lang="nl-NL" dirty="0" smtClean="0">
+                <a:solidFill>
+                  <a:schemeClr val="accent5">
+                    <a:lumMod val="60000"/>
+                    <a:lumOff val="40000"/>
+                  </a:schemeClr>
+                </a:solidFill>
                 <a:latin typeface="+mj-lt"/>
               </a:rPr>
               <a:t> </a:t>
             </a:r>
             <a:r>
               <a:rPr lang="nl-NL" dirty="0" err="1" smtClean="0">
+                <a:solidFill>
+                  <a:schemeClr val="accent5">
+                    <a:lumMod val="60000"/>
+                    <a:lumOff val="40000"/>
+                  </a:schemeClr>
+                </a:solidFill>
                 <a:latin typeface="+mj-lt"/>
               </a:rPr>
               <a:t>it</a:t>
             </a:r>
             <a:r>
               <a:rPr lang="nl-NL" dirty="0" smtClean="0">
+                <a:solidFill>
+                  <a:schemeClr val="accent5">
+                    <a:lumMod val="60000"/>
+                    <a:lumOff val="40000"/>
+                  </a:schemeClr>
+                </a:solidFill>
                 <a:latin typeface="+mj-lt"/>
               </a:rPr>
               <a:t> </a:t>
             </a:r>
             <a:r>
               <a:rPr lang="nl-NL" dirty="0" err="1" smtClean="0">
+                <a:solidFill>
+                  <a:schemeClr val="accent5">
+                    <a:lumMod val="60000"/>
+                    <a:lumOff val="40000"/>
+                  </a:schemeClr>
+                </a:solidFill>
                 <a:latin typeface="+mj-lt"/>
               </a:rPr>
               <a:t>locked</a:t>
             </a:r>
             <a:r>
               <a:rPr lang="nl-NL" dirty="0" smtClean="0">
+                <a:solidFill>
+                  <a:schemeClr val="accent5">
+                    <a:lumMod val="60000"/>
+                    <a:lumOff val="40000"/>
+                  </a:schemeClr>
+                </a:solidFill>
                 <a:latin typeface="+mj-lt"/>
               </a:rPr>
               <a:t> </a:t>
             </a:r>
             <a:r>
               <a:rPr lang="nl-NL" dirty="0" err="1" smtClean="0">
+                <a:solidFill>
+                  <a:schemeClr val="accent5">
+                    <a:lumMod val="60000"/>
+                    <a:lumOff val="40000"/>
+                  </a:schemeClr>
+                </a:solidFill>
                 <a:latin typeface="+mj-lt"/>
               </a:rPr>
               <a:t>away</a:t>
             </a:r>
             <a:endParaRPr lang="en-US" dirty="0">
+              <a:solidFill>
+                <a:schemeClr val="accent5">
+                  <a:lumMod val="60000"/>
+                  <a:lumOff val="40000"/>
+                </a:schemeClr>
+              </a:solidFill>
               <a:latin typeface="+mj-lt"/>
             </a:endParaRPr>
           </a:p>
@@ -3440,23 +3558,43 @@
           <a:p>
             <a:r>
               <a:rPr lang="nl-NL" sz="1100" dirty="0" smtClean="0">
+                <a:solidFill>
+                  <a:schemeClr val="accent5">
+                    <a:lumMod val="75000"/>
+                  </a:schemeClr>
+                </a:solidFill>
                 <a:latin typeface="+mj-lt"/>
               </a:rPr>
               <a:t>Arnoud Jonkers, </a:t>
             </a:r>
             <a:r>
               <a:rPr lang="nl-NL" sz="1100" dirty="0" err="1" smtClean="0">
+                <a:solidFill>
+                  <a:schemeClr val="accent5">
+                    <a:lumMod val="75000"/>
+                  </a:schemeClr>
+                </a:solidFill>
                 <a:latin typeface="+mj-lt"/>
               </a:rPr>
               <a:t>Jordi</a:t>
             </a:r>
             <a:r>
               <a:rPr lang="nl-NL" sz="1100" dirty="0" smtClean="0">
+                <a:solidFill>
+                  <a:schemeClr val="accent5">
+                    <a:lumMod val="75000"/>
+                  </a:schemeClr>
+                </a:solidFill>
                 <a:latin typeface="+mj-lt"/>
               </a:rPr>
               <a:t> Hessels, Mike Koch, Tim de Boer &amp; Xander de Ronde</a:t>
             </a:r>
             <a:endParaRPr lang="en-US" sz="1100" dirty="0">
+              <a:solidFill>
+                <a:schemeClr val="accent5">
+                  <a:lumMod val="75000"/>
+                </a:schemeClr>
+              </a:solidFill>
               <a:latin typeface="+mj-lt"/>
             </a:endParaRPr>
           </a:p>
@@ -3472,6 +3610,14 @@
   <p:clrMapOvr>
     <a:masterClrMapping/>
   </p:clrMapOvr>
+  <mc:AlternateContent xmlns:mc="http://schemas.openxmlformats.org/markup-compatibility/2006">
+    <mc:Choice xmlns:p14="http://schemas.microsoft.com/office/powerpoint/2010/main" Requires="p14">
+      <p:transition p14:dur="0"/>
+    </mc:Choice>
+    <mc:Fallback>
+      <p:transition/>
+    </mc:Fallback>
+  </mc:AlternateContent>
   <p:timing>
     <p:tnLst>
       <p:par>
@@ -3521,17 +3667,32 @@
           <a:p>
             <a:r>
               <a:rPr lang="nl-NL" dirty="0" err="1" smtClean="0">
+                <a:solidFill>
+                  <a:schemeClr val="accent5">
+                    <a:lumMod val="50000"/>
+                  </a:schemeClr>
+                </a:solidFill>
                 <a:latin typeface="Gadugi" panose="020B0502040204020203" pitchFamily="34" charset="0"/>
               </a:rPr>
               <a:t>Table</a:t>
             </a:r>
             <a:r>
               <a:rPr lang="nl-NL" dirty="0" smtClean="0">
+                <a:solidFill>
+                  <a:schemeClr val="accent5">
+                    <a:lumMod val="50000"/>
+                  </a:schemeClr>
+                </a:solidFill>
                 <a:latin typeface="Gadugi" panose="020B0502040204020203" pitchFamily="34" charset="0"/>
               </a:rPr>
               <a:t> of Contents</a:t>
             </a:r>
             <a:endParaRPr lang="en-US" dirty="0">
+              <a:solidFill>
+                <a:schemeClr val="accent5">
+                  <a:lumMod val="50000"/>
+                </a:schemeClr>
+              </a:solidFill>
               <a:latin typeface="Gadugi" panose="020B0502040204020203" pitchFamily="34" charset="0"/>
             </a:endParaRPr>
           </a:p>
@@ -3561,56 +3722,116 @@
           <a:p>
             <a:r>
               <a:rPr lang="nl-NL" dirty="0" err="1" smtClean="0">
+                <a:solidFill>
+                  <a:schemeClr val="accent5">
+                    <a:lumMod val="60000"/>
+                    <a:lumOff val="40000"/>
+                  </a:schemeClr>
+                </a:solidFill>
                 <a:latin typeface="+mj-lt"/>
               </a:rPr>
               <a:t>Procedural</a:t>
             </a:r>
             <a:r>
               <a:rPr lang="nl-NL" dirty="0" smtClean="0">
+                <a:solidFill>
+                  <a:schemeClr val="accent5">
+                    <a:lumMod val="60000"/>
+                    <a:lumOff val="40000"/>
+                  </a:schemeClr>
+                </a:solidFill>
                 <a:latin typeface="+mj-lt"/>
               </a:rPr>
               <a:t> </a:t>
             </a:r>
             <a:r>
               <a:rPr lang="nl-NL" dirty="0" err="1" smtClean="0">
+                <a:solidFill>
+                  <a:schemeClr val="accent5">
+                    <a:lumMod val="60000"/>
+                    <a:lumOff val="40000"/>
+                  </a:schemeClr>
+                </a:solidFill>
                 <a:latin typeface="+mj-lt"/>
               </a:rPr>
               <a:t>Generation</a:t>
             </a:r>
             <a:endParaRPr lang="nl-NL" dirty="0">
+              <a:solidFill>
+                <a:schemeClr val="accent5">
+                  <a:lumMod val="60000"/>
+                  <a:lumOff val="40000"/>
+                </a:schemeClr>
+              </a:solidFill>
               <a:latin typeface="+mj-lt"/>
             </a:endParaRPr>
           </a:p>
           <a:p>
             <a:r>
               <a:rPr lang="nl-NL" dirty="0" err="1" smtClean="0">
+                <a:solidFill>
+                  <a:schemeClr val="accent5">
+                    <a:lumMod val="60000"/>
+                    <a:lumOff val="40000"/>
+                  </a:schemeClr>
+                </a:solidFill>
                 <a:latin typeface="+mj-lt"/>
               </a:rPr>
               <a:t>Guards</a:t>
             </a:r>
             <a:endParaRPr lang="nl-NL" dirty="0">
+              <a:solidFill>
+                <a:schemeClr val="accent5">
+                  <a:lumMod val="60000"/>
+                  <a:lumOff val="40000"/>
+                </a:schemeClr>
+              </a:solidFill>
               <a:latin typeface="+mj-lt"/>
             </a:endParaRPr>
           </a:p>
           <a:p>
             <a:r>
               <a:rPr lang="nl-NL" dirty="0" smtClean="0">
+                <a:solidFill>
+                  <a:schemeClr val="accent5">
+                    <a:lumMod val="60000"/>
+                    <a:lumOff val="40000"/>
+                  </a:schemeClr>
+                </a:solidFill>
                 <a:latin typeface="+mj-lt"/>
               </a:rPr>
               <a:t>Second Screen</a:t>
             </a:r>
             <a:endParaRPr lang="nl-NL" dirty="0">
+              <a:solidFill>
+                <a:schemeClr val="accent5">
+                  <a:lumMod val="60000"/>
+                  <a:lumOff val="40000"/>
+                </a:schemeClr>
+              </a:solidFill>
               <a:latin typeface="+mj-lt"/>
             </a:endParaRPr>
           </a:p>
           <a:p>
             <a:r>
               <a:rPr lang="nl-NL" dirty="0" smtClean="0">
+                <a:solidFill>
+                  <a:schemeClr val="accent5">
+                    <a:lumMod val="60000"/>
+                    <a:lumOff val="40000"/>
+                  </a:schemeClr>
+                </a:solidFill>
                 <a:latin typeface="+mj-lt"/>
               </a:rPr>
               <a:t>Play the Game!</a:t>
             </a:r>
             <a:endParaRPr lang="en-US" dirty="0">
+              <a:solidFill>
+                <a:schemeClr val="accent5">
+                  <a:lumMod val="60000"/>
+                  <a:lumOff val="40000"/>
+                </a:schemeClr>
+              </a:solidFill>
               <a:latin typeface="+mj-lt"/>
             </a:endParaRPr>
           </a:p>
@@ -3701,23 +3922,43 @@
             <a:pPr algn="ctr"/>
             <a:r>
               <a:rPr lang="nl-NL" dirty="0" err="1" smtClean="0">
+                <a:solidFill>
+                  <a:schemeClr val="accent5">
+                    <a:lumMod val="50000"/>
+                  </a:schemeClr>
+                </a:solidFill>
                 <a:latin typeface="Gadugi" panose="020B0502040204020203" pitchFamily="34" charset="0"/>
               </a:rPr>
               <a:t>Procedural</a:t>
             </a:r>
             <a:r>
               <a:rPr lang="nl-NL" dirty="0" smtClean="0">
+                <a:solidFill>
+                  <a:schemeClr val="accent5">
+                    <a:lumMod val="50000"/>
+                  </a:schemeClr>
+                </a:solidFill>
                 <a:latin typeface="Gadugi" panose="020B0502040204020203" pitchFamily="34" charset="0"/>
               </a:rPr>
               <a:t> </a:t>
             </a:r>
             <a:r>
               <a:rPr lang="nl-NL" dirty="0" err="1" smtClean="0">
+                <a:solidFill>
+                  <a:schemeClr val="accent5">
+                    <a:lumMod val="50000"/>
+                  </a:schemeClr>
+                </a:solidFill>
                 <a:latin typeface="Gadugi" panose="020B0502040204020203" pitchFamily="34" charset="0"/>
               </a:rPr>
               <a:t>Generation</a:t>
             </a:r>
             <a:endParaRPr lang="en-US" dirty="0">
+              <a:solidFill>
+                <a:schemeClr val="accent5">
+                  <a:lumMod val="50000"/>
+                </a:schemeClr>
+              </a:solidFill>
               <a:latin typeface="Gadugi" panose="020B0502040204020203" pitchFamily="34" charset="0"/>
             </a:endParaRPr>
           </a:p>
@@ -3750,24 +3991,48 @@
             </a:pPr>
             <a:r>
               <a:rPr lang="nl-NL" sz="1600" b="1" dirty="0" err="1" smtClean="0">
+                <a:solidFill>
+                  <a:schemeClr val="accent5">
+                    <a:lumMod val="60000"/>
+                    <a:lumOff val="40000"/>
+                  </a:schemeClr>
+                </a:solidFill>
                 <a:latin typeface="+mj-lt"/>
               </a:rPr>
               <a:t>Procedural</a:t>
             </a:r>
             <a:r>
               <a:rPr lang="nl-NL" sz="1600" b="1" dirty="0" smtClean="0">
+                <a:solidFill>
+                  <a:schemeClr val="accent5">
+                    <a:lumMod val="60000"/>
+                    <a:lumOff val="40000"/>
+                  </a:schemeClr>
+                </a:solidFill>
                 <a:latin typeface="+mj-lt"/>
               </a:rPr>
               <a:t> </a:t>
             </a:r>
             <a:r>
               <a:rPr lang="nl-NL" sz="1600" b="1" dirty="0" err="1" smtClean="0">
+                <a:solidFill>
+                  <a:schemeClr val="accent5">
+                    <a:lumMod val="60000"/>
+                    <a:lumOff val="40000"/>
+                  </a:schemeClr>
+                </a:solidFill>
                 <a:latin typeface="+mj-lt"/>
               </a:rPr>
               <a:t>Generation</a:t>
             </a:r>
             <a:r>
               <a:rPr lang="nl-NL" sz="1600" b="1" dirty="0" smtClean="0">
+                <a:solidFill>
+                  <a:schemeClr val="accent5">
+                    <a:lumMod val="60000"/>
+                    <a:lumOff val="40000"/>
+                  </a:schemeClr>
+                </a:solidFill>
                 <a:latin typeface="+mj-lt"/>
               </a:rPr>
               <a:t> </a:t>
@@ -3787,9 +4052,9 @@
             <a:r>
               <a:rPr lang="nl-NL" sz="1600" dirty="0" err="1" smtClean="0">
                 <a:solidFill>
-                  <a:schemeClr val="tx1">
-                    <a:lumMod val="50000"/>
-                    <a:lumOff val="50000"/>
+                  <a:schemeClr val="accent5">
+                    <a:lumMod val="40000"/>
+                    <a:lumOff val="60000"/>
                   </a:schemeClr>
                 </a:solidFill>
                 <a:latin typeface="+mj-lt"/>
@@ -3799,9 +4064,9 @@
             <a:r>
               <a:rPr lang="nl-NL" sz="1600" dirty="0" smtClean="0">
                 <a:solidFill>
-                  <a:schemeClr val="tx1">
-                    <a:lumMod val="50000"/>
-                    <a:lumOff val="50000"/>
+                  <a:schemeClr val="accent5">
+                    <a:lumMod val="40000"/>
+                    <a:lumOff val="60000"/>
                   </a:schemeClr>
                 </a:solidFill>
                 <a:latin typeface="+mj-lt"/>
@@ -3810,9 +4075,9 @@
             </a:r>
             <a:endParaRPr lang="en-US" sz="1600" dirty="0">
               <a:solidFill>
-                <a:schemeClr val="tx1">
-                  <a:lumMod val="50000"/>
-                  <a:lumOff val="50000"/>
+                <a:schemeClr val="accent5">
+                  <a:lumMod val="40000"/>
+                  <a:lumOff val="60000"/>
                 </a:schemeClr>
               </a:solidFill>
               <a:latin typeface="+mj-lt"/>
@@ -3820,6 +4085,96 @@
           </a:p>
         </p:txBody>
       </p:sp>
+      <p:pic>
+        <p:nvPicPr>
+          <p:cNvPr id="3" name="Picture 2"/>
+          <p:cNvPicPr>
+            <a:picLocks noChangeAspect="1"/>
+          </p:cNvPicPr>
+          <p:nvPr/>
+        </p:nvPicPr>
+        <p:blipFill>
+          <a:blip r:embed="rId2" cstate="print">
+            <a:extLst>
+              <a:ext uri="{28A0092B-C50C-407E-A947-70E740481C1C}">
+                <a14:useLocalDpi xmlns:a14="http://schemas.microsoft.com/office/drawing/2010/main" val="0"/>
+              </a:ext>
+            </a:extLst>
+          </a:blip>
+          <a:stretch>
+            <a:fillRect/>
+          </a:stretch>
+        </p:blipFill>
+        <p:spPr>
+          <a:xfrm>
+            <a:off x="1785560" y="3921409"/>
+            <a:ext cx="3915032" cy="2202205"/>
+          </a:xfrm>
+          <a:prstGeom prst="rect">
+            <a:avLst/>
+          </a:prstGeom>
+        </p:spPr>
+      </p:pic>
+      <p:pic>
+        <p:nvPicPr>
+          <p:cNvPr id="5" name="Picture 4"/>
+          <p:cNvPicPr>
+            <a:picLocks noChangeAspect="1"/>
+          </p:cNvPicPr>
+          <p:nvPr/>
+        </p:nvPicPr>
+        <p:blipFill>
+          <a:blip r:embed="rId3" cstate="print">
+            <a:extLst>
+              <a:ext uri="{28A0092B-C50C-407E-A947-70E740481C1C}">
+                <a14:useLocalDpi xmlns:a14="http://schemas.microsoft.com/office/drawing/2010/main" val="0"/>
+              </a:ext>
+            </a:extLst>
+          </a:blip>
+          <a:stretch>
+            <a:fillRect/>
+          </a:stretch>
+        </p:blipFill>
+        <p:spPr>
+          <a:xfrm>
+            <a:off x="1785560" y="1567118"/>
+            <a:ext cx="3915032" cy="2202205"/>
+          </a:xfrm>
+          <a:prstGeom prst="rect">
+            <a:avLst/>
+          </a:prstGeom>
+        </p:spPr>
+      </p:pic>
+      <p:pic>
+        <p:nvPicPr>
+          <p:cNvPr id="6" name="Picture 5"/>
+          <p:cNvPicPr>
+            <a:picLocks noChangeAspect="1"/>
+          </p:cNvPicPr>
+          <p:nvPr/>
+        </p:nvPicPr>
+        <p:blipFill>
+          <a:blip r:embed="rId4">
+            <a:extLst>
+              <a:ext uri="{28A0092B-C50C-407E-A947-70E740481C1C}">
+                <a14:useLocalDpi xmlns:a14="http://schemas.microsoft.com/office/drawing/2010/main" val="0"/>
+              </a:ext>
+            </a:extLst>
+          </a:blip>
+          <a:stretch>
+            <a:fillRect/>
+          </a:stretch>
+        </p:blipFill>
+        <p:spPr>
+          <a:xfrm>
+            <a:off x="6427203" y="2380649"/>
+            <a:ext cx="4693889" cy="2562456"/>
+          </a:xfrm>
+          <a:prstGeom prst="rect">
+            <a:avLst/>
+          </a:prstGeom>
+        </p:spPr>
+      </p:pic>
     </p:spTree>
     <p:extLst>
       <p:ext uri="{BB962C8B-B14F-4D97-AF65-F5344CB8AC3E}">
@@ -3833,7 +4188,285 @@
   <p:timing>
     <p:tnLst>
       <p:par>
-        <p:cTn id="1" dur="indefinite" restart="never" nodeType="tmRoot"/>
+        <p:cTn id="1" dur="indefinite" restart="never" nodeType="tmRoot">
+          <p:childTnLst>
+            <p:seq concurrent="1" nextAc="seek">
+              <p:cTn id="2" dur="indefinite" nodeType="mainSeq">
+                <p:childTnLst>
+                  <p:par>
+                    <p:cTn id="3" fill="hold">
+                      <p:stCondLst>
+                        <p:cond delay="indefinite"/>
+                      </p:stCondLst>
+                      <p:childTnLst>
+                        <p:par>
+                          <p:cTn id="4" fill="hold">
+                            <p:stCondLst>
+                              <p:cond delay="0"/>
+                            </p:stCondLst>
+                            <p:childTnLst>
+                              <p:par>
+                                <p:cTn id="5" presetID="2" presetClass="entr" presetSubtype="2" fill="hold" nodeType="clickEffect">
+                                  <p:stCondLst>
+                                    <p:cond delay="0"/>
+                                  </p:stCondLst>
+                                  <p:childTnLst>
+                                    <p:set>
+                                      <p:cBhvr>
+                                        <p:cTn id="6" dur="1" fill="hold">
+                                          <p:stCondLst>
+                                            <p:cond delay="0"/>
+                                          </p:stCondLst>
+                                        </p:cTn>
+                                        <p:tgtEl>
+                                          <p:spTgt spid="5"/>
+                                        </p:tgtEl>
+                                        <p:attrNameLst>
+                                          <p:attrName>style.visibility</p:attrName>
+                                        </p:attrNameLst>
+                                      </p:cBhvr>
+                                      <p:to>
+                                        <p:strVal val="visible"/>
+                                      </p:to>
+                                    </p:set>
+                                    <p:anim calcmode="lin" valueType="num">
+                                      <p:cBhvr additive="base">
+                                        <p:cTn id="7" dur="1000" fill="hold"/>
+                                        <p:tgtEl>
+                                          <p:spTgt spid="5"/>
+                                        </p:tgtEl>
+                                        <p:attrNameLst>
+                                          <p:attrName>ppt_x</p:attrName>
+                                        </p:attrNameLst>
+                                      </p:cBhvr>
+                                      <p:tavLst>
+                                        <p:tav tm="0">
+                                          <p:val>
+                                            <p:strVal val="1+#ppt_w/2"/>
+                                          </p:val>
+                                        </p:tav>
+                                        <p:tav tm="100000">
+                                          <p:val>
+                                            <p:strVal val="#ppt_x"/>
+                                          </p:val>
+                                        </p:tav>
+                                      </p:tavLst>
+                                    </p:anim>
+                                    <p:anim calcmode="lin" valueType="num">
+                                      <p:cBhvr additive="base">
+                                        <p:cTn id="8" dur="1000" fill="hold"/>
+                                        <p:tgtEl>
+                                          <p:spTgt spid="5"/>
+                                        </p:tgtEl>
+                                        <p:attrNameLst>
+                                          <p:attrName>ppt_y</p:attrName>
+                                        </p:attrNameLst>
+                                      </p:cBhvr>
+                                      <p:tavLst>
+                                        <p:tav tm="0">
+                                          <p:val>
+                                            <p:strVal val="#ppt_y"/>
+                                          </p:val>
+                                        </p:tav>
+                                        <p:tav tm="100000">
+                                          <p:val>
+                                            <p:strVal val="#ppt_y"/>
+                                          </p:val>
+                                        </p:tav>
+                                      </p:tavLst>
+                                    </p:anim>
+                                  </p:childTnLst>
+                                </p:cTn>
+                              </p:par>
+                              <p:par>
+                                <p:cTn id="9" presetID="2" presetClass="entr" presetSubtype="2" fill="hold" nodeType="withEffect">
+                                  <p:stCondLst>
+                                    <p:cond delay="0"/>
+                                  </p:stCondLst>
+                                  <p:childTnLst>
+                                    <p:set>
+                                      <p:cBhvr>
+                                        <p:cTn id="10" dur="1" fill="hold">
+                                          <p:stCondLst>
+                                            <p:cond delay="0"/>
+                                          </p:stCondLst>
+                                        </p:cTn>
+                                        <p:tgtEl>
+                                          <p:spTgt spid="3"/>
+                                        </p:tgtEl>
+                                        <p:attrNameLst>
+                                          <p:attrName>style.visibility</p:attrName>
+                                        </p:attrNameLst>
+                                      </p:cBhvr>
+                                      <p:to>
+                                        <p:strVal val="visible"/>
+                                      </p:to>
+                                    </p:set>
+                                    <p:anim calcmode="lin" valueType="num">
+                                      <p:cBhvr additive="base">
+                                        <p:cTn id="11" dur="1000" fill="hold"/>
+                                        <p:tgtEl>
+                                          <p:spTgt spid="3"/>
+                                        </p:tgtEl>
+                                        <p:attrNameLst>
+                                          <p:attrName>ppt_x</p:attrName>
+                                        </p:attrNameLst>
+                                      </p:cBhvr>
+                                      <p:tavLst>
+                                        <p:tav tm="0">
+                                          <p:val>
+                                            <p:strVal val="1+#ppt_w/2"/>
+                                          </p:val>
+                                        </p:tav>
+                                        <p:tav tm="100000">
+                                          <p:val>
+                                            <p:strVal val="#ppt_x"/>
+                                          </p:val>
+                                        </p:tav>
+                                      </p:tavLst>
+                                    </p:anim>
+                                    <p:anim calcmode="lin" valueType="num">
+                                      <p:cBhvr additive="base">
+                                        <p:cTn id="12" dur="1000" fill="hold"/>
+                                        <p:tgtEl>
+                                          <p:spTgt spid="3"/>
+                                        </p:tgtEl>
+                                        <p:attrNameLst>
+                                          <p:attrName>ppt_y</p:attrName>
+                                        </p:attrNameLst>
+                                      </p:cBhvr>
+                                      <p:tavLst>
+                                        <p:tav tm="0">
+                                          <p:val>
+                                            <p:strVal val="#ppt_y"/>
+                                          </p:val>
+                                        </p:tav>
+                                        <p:tav tm="100000">
+                                          <p:val>
+                                            <p:strVal val="#ppt_y"/>
+                                          </p:val>
+                                        </p:tav>
+                                      </p:tavLst>
+                                    </p:anim>
+                                  </p:childTnLst>
+                                </p:cTn>
+                              </p:par>
+                            </p:childTnLst>
+                          </p:cTn>
+                        </p:par>
+                      </p:childTnLst>
+                    </p:cTn>
+                  </p:par>
+                  <p:par>
+                    <p:cTn id="13" fill="hold">
+                      <p:stCondLst>
+                        <p:cond delay="indefinite"/>
+                      </p:stCondLst>
+                      <p:childTnLst>
+                        <p:par>
+                          <p:cTn id="14" fill="hold">
+                            <p:stCondLst>
+                              <p:cond delay="0"/>
+                            </p:stCondLst>
+                            <p:childTnLst>
+                              <p:par>
+                                <p:cTn id="15" presetID="2" presetClass="entr" presetSubtype="2" fill="hold" nodeType="clickEffect">
+                                  <p:stCondLst>
+                                    <p:cond delay="0"/>
+                                  </p:stCondLst>
+                                  <p:childTnLst>
+                                    <p:set>
+                                      <p:cBhvr>
+                                        <p:cTn id="16" dur="1" fill="hold">
+                                          <p:stCondLst>
+                                            <p:cond delay="0"/>
+                                          </p:stCondLst>
+                                        </p:cTn>
+                                        <p:tgtEl>
+                                          <p:spTgt spid="6"/>
+                                        </p:tgtEl>
+                                        <p:attrNameLst>
+                                          <p:attrName>style.visibility</p:attrName>
+                                        </p:attrNameLst>
+                                      </p:cBhvr>
+                                      <p:to>
+                                        <p:strVal val="visible"/>
+                                      </p:to>
+                                    </p:set>
+                                    <p:anim calcmode="lin" valueType="num">
+                                      <p:cBhvr additive="base">
+                                        <p:cTn id="17" dur="1000" fill="hold"/>
+                                        <p:tgtEl>
+                                          <p:spTgt spid="6"/>
+                                        </p:tgtEl>
+                                        <p:attrNameLst>
+                                          <p:attrName>ppt_x</p:attrName>
+                                        </p:attrNameLst>
+                                      </p:cBhvr>
+                                      <p:tavLst>
+                                        <p:tav tm="0">
+                                          <p:val>
+                                            <p:strVal val="1+#ppt_w/2"/>
+                                          </p:val>
+                                        </p:tav>
+                                        <p:tav tm="100000">
+                                          <p:val>
+                                            <p:strVal val="#ppt_x"/>
+                                          </p:val>
+                                        </p:tav>
+                                      </p:tavLst>
+                                    </p:anim>
+                                    <p:anim calcmode="lin" valueType="num">
+                                      <p:cBhvr additive="base">
+                                        <p:cTn id="18" dur="1000" fill="hold"/>
+                                        <p:tgtEl>
+                                          <p:spTgt spid="6"/>
+                                        </p:tgtEl>
+                                        <p:attrNameLst>
+                                          <p:attrName>ppt_y</p:attrName>
+                                        </p:attrNameLst>
+                                      </p:cBhvr>
+                                      <p:tavLst>
+                                        <p:tav tm="0">
+                                          <p:val>
+                                            <p:strVal val="#ppt_y"/>
+                                          </p:val>
+                                        </p:tav>
+                                        <p:tav tm="100000">
+                                          <p:val>
+                                            <p:strVal val="#ppt_y"/>
+                                          </p:val>
+                                        </p:tav>
+                                      </p:tavLst>
+                                    </p:anim>
+                                  </p:childTnLst>
+                                </p:cTn>
+                              </p:par>
+                            </p:childTnLst>
+                          </p:cTn>
+                        </p:par>
+                      </p:childTnLst>
+                    </p:cTn>
+                  </p:par>
+                </p:childTnLst>
+              </p:cTn>
+              <p:prevCondLst>
+                <p:cond evt="onPrev" delay="0">
+                  <p:tgtEl>
+                    <p:sldTgt/>
+                  </p:tgtEl>
+                </p:cond>
+              </p:prevCondLst>
+              <p:nextCondLst>
+                <p:cond evt="onNext" delay="0">
+                  <p:tgtEl>
+                    <p:sldTgt/>
+                  </p:tgtEl>
+                </p:cond>
+              </p:nextCondLst>
+            </p:seq>
+          </p:childTnLst>
+        </p:cTn>
       </p:par>
     </p:tnLst>
   </p:timing>
@@ -3875,11 +4508,21 @@
             <a:pPr algn="ctr"/>
             <a:r>
               <a:rPr lang="nl-NL" dirty="0" err="1" smtClean="0">
+                <a:solidFill>
+                  <a:schemeClr val="accent5">
+                    <a:lumMod val="50000"/>
+                  </a:schemeClr>
+                </a:solidFill>
                 <a:latin typeface="Gadugi" panose="020B0502040204020203" pitchFamily="34" charset="0"/>
               </a:rPr>
               <a:t>Guards</a:t>
             </a:r>
             <a:endParaRPr lang="en-US" dirty="0">
+              <a:solidFill>
+                <a:schemeClr val="accent5">
+                  <a:lumMod val="50000"/>
+                </a:schemeClr>
+              </a:solidFill>
               <a:latin typeface="Gadugi" panose="020B0502040204020203" pitchFamily="34" charset="0"/>
             </a:endParaRPr>
           </a:p>
@@ -3913,6 +4556,54 @@
             <a:r>
               <a:rPr lang="nl-NL" sz="1600" dirty="0" err="1" smtClean="0">
                 <a:solidFill>
+                  <a:schemeClr val="accent5">
+                    <a:lumMod val="40000"/>
+                    <a:lumOff val="60000"/>
+                  </a:schemeClr>
+                </a:solidFill>
+                <a:latin typeface="+mj-lt"/>
+              </a:rPr>
+              <a:t>Procedural</a:t>
+            </a:r>
+            <a:r>
+              <a:rPr lang="nl-NL" sz="1600" dirty="0" smtClean="0">
+                <a:solidFill>
+                  <a:schemeClr val="accent5">
+                    <a:lumMod val="40000"/>
+                    <a:lumOff val="60000"/>
+                  </a:schemeClr>
+                </a:solidFill>
+                <a:latin typeface="+mj-lt"/>
+              </a:rPr>
+              <a:t> </a:t>
+            </a:r>
+            <a:r>
+              <a:rPr lang="nl-NL" sz="1600" dirty="0" err="1" smtClean="0">
+                <a:solidFill>
+                  <a:schemeClr val="accent5">
+                    <a:lumMod val="40000"/>
+                    <a:lumOff val="60000"/>
+                  </a:schemeClr>
+                </a:solidFill>
+                <a:latin typeface="+mj-lt"/>
+              </a:rPr>
+              <a:t>Generation</a:t>
+            </a:r>
+            <a:r>
+              <a:rPr lang="nl-NL" sz="1600" dirty="0" smtClean="0">
+                <a:solidFill>
+                  <a:schemeClr val="accent5">
+                    <a:lumMod val="40000"/>
+                    <a:lumOff val="60000"/>
+                  </a:schemeClr>
+                </a:solidFill>
+                <a:latin typeface="+mj-lt"/>
+              </a:rPr>
+              <a:t> </a:t>
+            </a:r>
+            <a:r>
+              <a:rPr lang="nl-NL" sz="1600" dirty="0" smtClean="0">
+                <a:solidFill>
                   <a:schemeClr val="tx1">
                     <a:lumMod val="50000"/>
                     <a:lumOff val="50000"/>
@@ -3920,7 +4611,19 @@
                 </a:solidFill>
                 <a:latin typeface="+mj-lt"/>
               </a:rPr>
-              <a:t>Procedural</a:t>
+              <a:t>	</a:t>
+            </a:r>
+            <a:r>
+              <a:rPr lang="nl-NL" sz="1600" b="1" dirty="0" err="1" smtClean="0">
+                <a:solidFill>
+                  <a:schemeClr val="accent5">
+                    <a:lumMod val="60000"/>
+                    <a:lumOff val="40000"/>
+                  </a:schemeClr>
+                </a:solidFill>
+                <a:latin typeface="+mj-lt"/>
+              </a:rPr>
+              <a:t>Guards</a:t>
             </a:r>
             <a:r>
               <a:rPr lang="nl-NL" sz="1600" dirty="0" smtClean="0">
@@ -3932,55 +4635,25 @@
                 </a:solidFill>
                 <a:latin typeface="+mj-lt"/>
               </a:rPr>
-              <a:t> </a:t>
-            </a:r>
-            <a:r>
-              <a:rPr lang="nl-NL" sz="1600" dirty="0" err="1" smtClean="0">
-                <a:solidFill>
-                  <a:schemeClr val="tx1">
-                    <a:lumMod val="50000"/>
-                    <a:lumOff val="50000"/>
-                  </a:schemeClr>
-                </a:solidFill>
-                <a:latin typeface="+mj-lt"/>
-              </a:rPr>
-              <a:t>Generation</a:t>
+              <a:t> 		</a:t>
             </a:r>
             <a:r>
               <a:rPr lang="nl-NL" sz="1600" dirty="0" smtClean="0">
                 <a:solidFill>
-                  <a:schemeClr val="tx1">
-                    <a:lumMod val="50000"/>
-                    <a:lumOff val="50000"/>
-                  </a:schemeClr>
-                </a:solidFill>
-                <a:latin typeface="+mj-lt"/>
-              </a:rPr>
-              <a:t> 	</a:t>
-            </a:r>
-            <a:r>
-              <a:rPr lang="nl-NL" sz="1600" b="1" dirty="0" err="1" smtClean="0">
-                <a:latin typeface="+mj-lt"/>
-              </a:rPr>
-              <a:t>Guards</a:t>
-            </a:r>
-            <a:r>
-              <a:rPr lang="nl-NL" sz="1600" dirty="0" smtClean="0">
-                <a:solidFill>
-                  <a:schemeClr val="tx1">
-                    <a:lumMod val="50000"/>
-                    <a:lumOff val="50000"/>
-                  </a:schemeClr>
-                </a:solidFill>
-                <a:latin typeface="+mj-lt"/>
-              </a:rPr>
-              <a:t> 		Second Screen 		Play the Game!</a:t>
+                  <a:schemeClr val="accent5">
+                    <a:lumMod val="40000"/>
+                    <a:lumOff val="60000"/>
+                  </a:schemeClr>
+                </a:solidFill>
+                <a:latin typeface="+mj-lt"/>
+              </a:rPr>
+              <a:t>Second Screen 		Play the Game!</a:t>
             </a:r>
             <a:endParaRPr lang="en-US" sz="1600" dirty="0">
               <a:solidFill>
-                <a:schemeClr val="tx1">
-                  <a:lumMod val="50000"/>
-                  <a:lumOff val="50000"/>
+                <a:schemeClr val="accent5">
+                  <a:lumMod val="40000"/>
+                  <a:lumOff val="60000"/>
                 </a:schemeClr>
               </a:solidFill>
               <a:latin typeface="+mj-lt"/>
@@ -3988,6 +4661,81 @@
           </a:p>
         </p:txBody>
       </p:sp>
+      <p:grpSp>
+        <p:nvGrpSpPr>
+          <p:cNvPr id="6" name="Group 5"/>
+          <p:cNvGrpSpPr/>
+          <p:nvPr/>
+        </p:nvGrpSpPr>
+        <p:grpSpPr>
+          <a:xfrm>
+            <a:off x="395416" y="1946063"/>
+            <a:ext cx="11351741" cy="3016593"/>
+            <a:chOff x="395416" y="1946063"/>
+            <a:chExt cx="11351741" cy="3016593"/>
+          </a:xfrm>
+        </p:grpSpPr>
+        <p:pic>
+          <p:nvPicPr>
+            <p:cNvPr id="3" name="Picture 2"/>
+            <p:cNvPicPr>
+              <a:picLocks noChangeAspect="1"/>
+            </p:cNvPicPr>
+            <p:nvPr/>
+          </p:nvPicPr>
+          <p:blipFill>
+            <a:blip r:embed="rId2" cstate="print">
+              <a:extLst>
+                <a:ext uri="{28A0092B-C50C-407E-A947-70E740481C1C}">
+                  <a14:useLocalDpi xmlns:a14="http://schemas.microsoft.com/office/drawing/2010/main" val="0"/>
+                </a:ext>
+              </a:extLst>
+            </a:blip>
+            <a:stretch>
+              <a:fillRect/>
+            </a:stretch>
+          </p:blipFill>
+          <p:spPr>
+            <a:xfrm>
+              <a:off x="395416" y="1946063"/>
+              <a:ext cx="5362832" cy="3016593"/>
+            </a:xfrm>
+            <a:prstGeom prst="rect">
+              <a:avLst/>
+            </a:prstGeom>
+          </p:spPr>
+        </p:pic>
+        <p:pic>
+          <p:nvPicPr>
+            <p:cNvPr id="5" name="Picture 4"/>
+            <p:cNvPicPr>
+              <a:picLocks noChangeAspect="1"/>
+            </p:cNvPicPr>
+            <p:nvPr/>
+          </p:nvPicPr>
+          <p:blipFill>
+            <a:blip r:embed="rId3" cstate="print">
+              <a:extLst>
+                <a:ext uri="{28A0092B-C50C-407E-A947-70E740481C1C}">
+                  <a14:useLocalDpi xmlns:a14="http://schemas.microsoft.com/office/drawing/2010/main" val="0"/>
+                </a:ext>
+              </a:extLst>
+            </a:blip>
+            <a:stretch>
+              <a:fillRect/>
+            </a:stretch>
+          </p:blipFill>
+          <p:spPr>
+            <a:xfrm>
+              <a:off x="6384325" y="1946063"/>
+              <a:ext cx="5362832" cy="3016593"/>
+            </a:xfrm>
+            <a:prstGeom prst="rect">
+              <a:avLst/>
+            </a:prstGeom>
+          </p:spPr>
+        </p:pic>
+      </p:grpSp>
     </p:spTree>
     <p:extLst>
       <p:ext uri="{BB962C8B-B14F-4D97-AF65-F5344CB8AC3E}">
@@ -4001,7 +4749,121 @@
   <p:timing>
     <p:tnLst>
       <p:par>
-        <p:cTn id="1" dur="indefinite" restart="never" nodeType="tmRoot"/>
+        <p:cTn id="1" dur="indefinite" restart="never" nodeType="tmRoot">
+          <p:childTnLst>
+            <p:seq concurrent="1" nextAc="seek">
+              <p:cTn id="2" dur="indefinite" nodeType="mainSeq">
+                <p:childTnLst>
+                  <p:par>
+                    <p:cTn id="3" fill="hold">
+                      <p:stCondLst>
+                        <p:cond delay="indefinite"/>
+                      </p:stCondLst>
+                      <p:childTnLst>
+                        <p:par>
+                          <p:cTn id="4" fill="hold">
+                            <p:stCondLst>
+                              <p:cond delay="0"/>
+                            </p:stCondLst>
+                            <p:childTnLst>
+                              <p:par>
+                                <p:cTn id="5" presetID="2" presetClass="entr" presetSubtype="2" fill="hold" nodeType="clickEffect">
+                                  <p:stCondLst>
+                                    <p:cond delay="0"/>
+                                  </p:stCondLst>
+                                  <p:childTnLst>
+                                    <p:set>
+                                      <p:cBhvr>
+                                        <p:cTn id="6" dur="1" fill="hold">
+                                          <p:stCondLst>
+                                            <p:cond delay="0"/>
+                                          </p:stCondLst>
+                                        </p:cTn>
+                                        <p:tgtEl>
+                                          <p:spTgt spid="6"/>
+                                        </p:tgtEl>
+                                        <p:attrNameLst>
+                                          <p:attrName>style.visibility</p:attrName>
+                                        </p:attrNameLst>
+                                      </p:cBhvr>
+                                      <p:to>
+                                        <p:strVal val="visible"/>
+                                      </p:to>
+                                    </p:set>
+                                    <p:anim calcmode="lin" valueType="num">
+                                      <p:cBhvr additive="base">
+                                        <p:cTn id="7" dur="1000" fill="hold"/>
+                                        <p:tgtEl>
+                                          <p:spTgt spid="6"/>
+                                        </p:tgtEl>
+                                        <p:attrNameLst>
+                                          <p:attrName>ppt_x</p:attrName>
+                                        </p:attrNameLst>
+                                      </p:cBhvr>
+                                      <p:tavLst>
+                                        <p:tav tm="0">
+                                          <p:val>
+                                            <p:strVal val="1+#ppt_w/2"/>
+                                          </p:val>
+                                        </p:tav>
+                                        <p:tav tm="100000">
+                                          <p:val>
+                                            <p:strVal val="#ppt_x"/>
+                                          </p:val>
+                                        </p:tav>
+                                      </p:tavLst>
+                                    </p:anim>
+                                    <p:anim calcmode="lin" valueType="num">
+                                      <p:cBhvr additive="base">
+                                        <p:cTn id="8" dur="1000" fill="hold"/>
+                                        <p:tgtEl>
+                                          <p:spTgt spid="6"/>
+                                        </p:tgtEl>
+                                        <p:attrNameLst>
+                                          <p:attrName>ppt_y</p:attrName>
+                                        </p:attrNameLst>
+                                      </p:cBhvr>
+                                      <p:tavLst>
+                                        <p:tav tm="0">
+                                          <p:val>
+                                            <p:strVal val="#ppt_y"/>
+                                          </p:val>
+                                        </p:tav>
+                                        <p:tav tm="100000">
+                                          <p:val>
+                                            <p:strVal val="#ppt_y"/>
+                                          </p:val>
+                                        </p:tav>
+                                      </p:tavLst>
+                                    </p:anim>
+                                  </p:childTnLst>
+                                </p:cTn>
+                              </p:par>
+                            </p:childTnLst>
+                          </p:cTn>
+                        </p:par>
+                      </p:childTnLst>
+                    </p:cTn>
+                  </p:par>
+                </p:childTnLst>
+              </p:cTn>
+              <p:prevCondLst>
+                <p:cond evt="onPrev" delay="0">
+                  <p:tgtEl>
+                    <p:sldTgt/>
+                  </p:tgtEl>
+                </p:cond>
+              </p:prevCondLst>
+              <p:nextCondLst>
+                <p:cond evt="onNext" delay="0">
+                  <p:tgtEl>
+                    <p:sldTgt/>
+                  </p:tgtEl>
+                </p:cond>
+              </p:nextCondLst>
+            </p:seq>
+          </p:childTnLst>
+        </p:cTn>
       </p:par>
     </p:tnLst>
   </p:timing>
@@ -4043,11 +4905,21 @@
             <a:pPr algn="ctr"/>
             <a:r>
               <a:rPr lang="nl-NL" dirty="0" smtClean="0">
+                <a:solidFill>
+                  <a:schemeClr val="accent5">
+                    <a:lumMod val="50000"/>
+                  </a:schemeClr>
+                </a:solidFill>
                 <a:latin typeface="Gadugi" panose="020B0502040204020203" pitchFamily="34" charset="0"/>
               </a:rPr>
               <a:t>Second Screen</a:t>
             </a:r>
             <a:endParaRPr lang="en-US" dirty="0">
+              <a:solidFill>
+                <a:schemeClr val="accent5">
+                  <a:lumMod val="50000"/>
+                </a:schemeClr>
+              </a:solidFill>
               <a:latin typeface="Gadugi" panose="020B0502040204020203" pitchFamily="34" charset="0"/>
             </a:endParaRPr>
           </a:p>
@@ -4081,6 +4953,78 @@
             <a:r>
               <a:rPr lang="nl-NL" sz="1600" dirty="0" err="1" smtClean="0">
                 <a:solidFill>
+                  <a:schemeClr val="accent5">
+                    <a:lumMod val="40000"/>
+                    <a:lumOff val="60000"/>
+                  </a:schemeClr>
+                </a:solidFill>
+                <a:latin typeface="+mj-lt"/>
+              </a:rPr>
+              <a:t>Procedural</a:t>
+            </a:r>
+            <a:r>
+              <a:rPr lang="nl-NL" sz="1600" dirty="0" smtClean="0">
+                <a:solidFill>
+                  <a:schemeClr val="accent5">
+                    <a:lumMod val="40000"/>
+                    <a:lumOff val="60000"/>
+                  </a:schemeClr>
+                </a:solidFill>
+                <a:latin typeface="+mj-lt"/>
+              </a:rPr>
+              <a:t> </a:t>
+            </a:r>
+            <a:r>
+              <a:rPr lang="nl-NL" sz="1600" dirty="0" err="1" smtClean="0">
+                <a:solidFill>
+                  <a:schemeClr val="accent5">
+                    <a:lumMod val="40000"/>
+                    <a:lumOff val="60000"/>
+                  </a:schemeClr>
+                </a:solidFill>
+                <a:latin typeface="+mj-lt"/>
+              </a:rPr>
+              <a:t>Generation</a:t>
+            </a:r>
+            <a:r>
+              <a:rPr lang="nl-NL" sz="1600" dirty="0" smtClean="0">
+                <a:solidFill>
+                  <a:schemeClr val="accent5">
+                    <a:lumMod val="40000"/>
+                    <a:lumOff val="60000"/>
+                  </a:schemeClr>
+                </a:solidFill>
+                <a:latin typeface="+mj-lt"/>
+              </a:rPr>
+              <a:t> 	</a:t>
+            </a:r>
+            <a:r>
+              <a:rPr lang="nl-NL" sz="1600" dirty="0" err="1" smtClean="0">
+                <a:solidFill>
+                  <a:schemeClr val="accent5">
+                    <a:lumMod val="40000"/>
+                    <a:lumOff val="60000"/>
+                  </a:schemeClr>
+                </a:solidFill>
+                <a:latin typeface="+mj-lt"/>
+              </a:rPr>
+              <a:t>Guards</a:t>
+            </a:r>
+            <a:r>
+              <a:rPr lang="nl-NL" sz="1600" dirty="0" smtClean="0">
+                <a:solidFill>
+                  <a:schemeClr val="accent5">
+                    <a:lumMod val="40000"/>
+                    <a:lumOff val="60000"/>
+                  </a:schemeClr>
+                </a:solidFill>
+                <a:latin typeface="+mj-lt"/>
+              </a:rPr>
+              <a:t> </a:t>
+            </a:r>
+            <a:r>
+              <a:rPr lang="nl-NL" sz="1600" dirty="0" smtClean="0">
+                <a:solidFill>
                   <a:schemeClr val="tx1">
                     <a:lumMod val="50000"/>
                     <a:lumOff val="50000"/>
@@ -4088,7 +5032,19 @@
                 </a:solidFill>
                 <a:latin typeface="+mj-lt"/>
               </a:rPr>
-              <a:t>Procedural</a:t>
+              <a:t>		</a:t>
+            </a:r>
+            <a:r>
+              <a:rPr lang="nl-NL" sz="1600" b="1" dirty="0" smtClean="0">
+                <a:solidFill>
+                  <a:schemeClr val="accent5">
+                    <a:lumMod val="60000"/>
+                    <a:lumOff val="40000"/>
+                  </a:schemeClr>
+                </a:solidFill>
+                <a:latin typeface="+mj-lt"/>
+              </a:rPr>
+              <a:t>Second Screen </a:t>
             </a:r>
             <a:r>
               <a:rPr lang="nl-NL" sz="1600" dirty="0" smtClean="0">
@@ -4100,79 +5056,25 @@
                 </a:solidFill>
                 <a:latin typeface="+mj-lt"/>
               </a:rPr>
-              <a:t> </a:t>
-            </a:r>
-            <a:r>
-              <a:rPr lang="nl-NL" sz="1600" dirty="0" err="1" smtClean="0">
-                <a:solidFill>
-                  <a:schemeClr val="tx1">
-                    <a:lumMod val="50000"/>
-                    <a:lumOff val="50000"/>
-                  </a:schemeClr>
-                </a:solidFill>
-                <a:latin typeface="+mj-lt"/>
-              </a:rPr>
-              <a:t>Generation</a:t>
+              <a:t>		</a:t>
             </a:r>
             <a:r>
               <a:rPr lang="nl-NL" sz="1600" dirty="0" smtClean="0">
                 <a:solidFill>
-                  <a:schemeClr val="tx1">
-                    <a:lumMod val="50000"/>
-                    <a:lumOff val="50000"/>
-                  </a:schemeClr>
-                </a:solidFill>
-                <a:latin typeface="+mj-lt"/>
-              </a:rPr>
-              <a:t> 	</a:t>
-            </a:r>
-            <a:r>
-              <a:rPr lang="nl-NL" sz="1600" dirty="0" err="1" smtClean="0">
-                <a:solidFill>
-                  <a:schemeClr val="tx1">
-                    <a:lumMod val="50000"/>
-                    <a:lumOff val="50000"/>
-                  </a:schemeClr>
-                </a:solidFill>
-                <a:latin typeface="+mj-lt"/>
-              </a:rPr>
-              <a:t>Guards</a:t>
-            </a:r>
-            <a:r>
-              <a:rPr lang="nl-NL" sz="1600" dirty="0" smtClean="0">
-                <a:solidFill>
-                  <a:schemeClr val="tx1">
-                    <a:lumMod val="50000"/>
-                    <a:lumOff val="50000"/>
-                  </a:schemeClr>
-                </a:solidFill>
-                <a:latin typeface="+mj-lt"/>
-              </a:rPr>
-              <a:t> 		</a:t>
-            </a:r>
-            <a:r>
-              <a:rPr lang="nl-NL" sz="1600" b="1" dirty="0" smtClean="0">
-                <a:latin typeface="+mj-lt"/>
-              </a:rPr>
-              <a:t>Second Screen </a:t>
-            </a:r>
-            <a:r>
-              <a:rPr lang="nl-NL" sz="1600" dirty="0" smtClean="0">
-                <a:solidFill>
-                  <a:schemeClr val="tx1">
-                    <a:lumMod val="50000"/>
-                    <a:lumOff val="50000"/>
-                  </a:schemeClr>
-                </a:solidFill>
-                <a:latin typeface="+mj-lt"/>
-              </a:rPr>
-              <a:t>		Play the Game!</a:t>
+                  <a:schemeClr val="accent5">
+                    <a:lumMod val="40000"/>
+                    <a:lumOff val="60000"/>
+                  </a:schemeClr>
+                </a:solidFill>
+                <a:latin typeface="+mj-lt"/>
+              </a:rPr>
+              <a:t>Play the Game!</a:t>
             </a:r>
             <a:endParaRPr lang="en-US" sz="1600" dirty="0">
               <a:solidFill>
-                <a:schemeClr val="tx1">
-                  <a:lumMod val="50000"/>
-                  <a:lumOff val="50000"/>
+                <a:schemeClr val="accent5">
+                  <a:lumMod val="40000"/>
+                  <a:lumOff val="60000"/>
                 </a:schemeClr>
               </a:solidFill>
               <a:latin typeface="+mj-lt"/>
@@ -4404,11 +5306,21 @@
           <a:p>
             <a:r>
               <a:rPr lang="nl-NL" sz="9600" dirty="0" smtClean="0">
+                <a:solidFill>
+                  <a:schemeClr val="accent5">
+                    <a:lumMod val="50000"/>
+                  </a:schemeClr>
+                </a:solidFill>
                 <a:latin typeface="Gadugi" panose="020B0502040204020203" pitchFamily="34" charset="0"/>
               </a:rPr>
               <a:t>Play the Game!</a:t>
             </a:r>
             <a:endParaRPr lang="en-US" sz="9600" dirty="0">
+              <a:solidFill>
+                <a:schemeClr val="accent5">
+                  <a:lumMod val="50000"/>
+                </a:schemeClr>
+              </a:solidFill>
               <a:latin typeface="Gadugi" panose="020B0502040204020203" pitchFamily="34" charset="0"/>
             </a:endParaRPr>
           </a:p>
@@ -4442,6 +5354,78 @@
             <a:r>
               <a:rPr lang="nl-NL" sz="1600" dirty="0" err="1" smtClean="0">
                 <a:solidFill>
+                  <a:schemeClr val="accent5">
+                    <a:lumMod val="40000"/>
+                    <a:lumOff val="60000"/>
+                  </a:schemeClr>
+                </a:solidFill>
+                <a:latin typeface="+mj-lt"/>
+              </a:rPr>
+              <a:t>Procedural</a:t>
+            </a:r>
+            <a:r>
+              <a:rPr lang="nl-NL" sz="1600" dirty="0" smtClean="0">
+                <a:solidFill>
+                  <a:schemeClr val="accent5">
+                    <a:lumMod val="40000"/>
+                    <a:lumOff val="60000"/>
+                  </a:schemeClr>
+                </a:solidFill>
+                <a:latin typeface="+mj-lt"/>
+              </a:rPr>
+              <a:t> </a:t>
+            </a:r>
+            <a:r>
+              <a:rPr lang="nl-NL" sz="1600" dirty="0" err="1" smtClean="0">
+                <a:solidFill>
+                  <a:schemeClr val="accent5">
+                    <a:lumMod val="40000"/>
+                    <a:lumOff val="60000"/>
+                  </a:schemeClr>
+                </a:solidFill>
+                <a:latin typeface="+mj-lt"/>
+              </a:rPr>
+              <a:t>Generation</a:t>
+            </a:r>
+            <a:r>
+              <a:rPr lang="nl-NL" sz="1600" dirty="0" smtClean="0">
+                <a:solidFill>
+                  <a:schemeClr val="accent5">
+                    <a:lumMod val="40000"/>
+                    <a:lumOff val="60000"/>
+                  </a:schemeClr>
+                </a:solidFill>
+                <a:latin typeface="+mj-lt"/>
+              </a:rPr>
+              <a:t> 	</a:t>
+            </a:r>
+            <a:r>
+              <a:rPr lang="nl-NL" sz="1600" dirty="0" err="1" smtClean="0">
+                <a:solidFill>
+                  <a:schemeClr val="accent5">
+                    <a:lumMod val="40000"/>
+                    <a:lumOff val="60000"/>
+                  </a:schemeClr>
+                </a:solidFill>
+                <a:latin typeface="+mj-lt"/>
+              </a:rPr>
+              <a:t>Guards</a:t>
+            </a:r>
+            <a:r>
+              <a:rPr lang="nl-NL" sz="1600" dirty="0" smtClean="0">
+                <a:solidFill>
+                  <a:schemeClr val="accent5">
+                    <a:lumMod val="40000"/>
+                    <a:lumOff val="60000"/>
+                  </a:schemeClr>
+                </a:solidFill>
+                <a:latin typeface="+mj-lt"/>
+              </a:rPr>
+              <a:t> 		Second Screen </a:t>
+            </a:r>
+            <a:r>
+              <a:rPr lang="nl-NL" sz="1600" dirty="0" smtClean="0">
+                <a:solidFill>
                   <a:schemeClr val="tx1">
                     <a:lumMod val="50000"/>
                     <a:lumOff val="50000"/>
@@ -4449,75 +5433,27 @@
                 </a:solidFill>
                 <a:latin typeface="+mj-lt"/>
               </a:rPr>
-              <a:t>Procedural</a:t>
-            </a:r>
-            <a:r>
-              <a:rPr lang="nl-NL" sz="1600" dirty="0" smtClean="0">
-                <a:solidFill>
-                  <a:schemeClr val="tx1">
-                    <a:lumMod val="50000"/>
-                    <a:lumOff val="50000"/>
-                  </a:schemeClr>
-                </a:solidFill>
-                <a:latin typeface="+mj-lt"/>
-              </a:rPr>
-              <a:t> </a:t>
-            </a:r>
-            <a:r>
-              <a:rPr lang="nl-NL" sz="1600" dirty="0" err="1" smtClean="0">
-                <a:solidFill>
-                  <a:schemeClr val="tx1">
-                    <a:lumMod val="50000"/>
-                    <a:lumOff val="50000"/>
-                  </a:schemeClr>
-                </a:solidFill>
-                <a:latin typeface="+mj-lt"/>
-              </a:rPr>
-              <a:t>Generation</a:t>
-            </a:r>
-            <a:r>
-              <a:rPr lang="nl-NL" sz="1600" dirty="0" smtClean="0">
-                <a:solidFill>
-                  <a:schemeClr val="tx1">
-                    <a:lumMod val="50000"/>
-                    <a:lumOff val="50000"/>
-                  </a:schemeClr>
-                </a:solidFill>
-                <a:latin typeface="+mj-lt"/>
-              </a:rPr>
-              <a:t> 	</a:t>
-            </a:r>
-            <a:r>
-              <a:rPr lang="nl-NL" sz="1600" dirty="0" err="1" smtClean="0">
-                <a:solidFill>
-                  <a:schemeClr val="tx1">
-                    <a:lumMod val="50000"/>
-                    <a:lumOff val="50000"/>
-                  </a:schemeClr>
-                </a:solidFill>
-                <a:latin typeface="+mj-lt"/>
-              </a:rPr>
-              <a:t>Guards</a:t>
-            </a:r>
-            <a:r>
-              <a:rPr lang="nl-NL" sz="1600" dirty="0" smtClean="0">
-                <a:solidFill>
-                  <a:schemeClr val="tx1">
-                    <a:lumMod val="50000"/>
-                    <a:lumOff val="50000"/>
-                  </a:schemeClr>
-                </a:solidFill>
-                <a:latin typeface="+mj-lt"/>
-              </a:rPr>
-              <a:t> 		Second Screen 		</a:t>
+              <a:t>		</a:t>
             </a:r>
             <a:r>
               <a:rPr lang="nl-NL" sz="1600" b="1" dirty="0" smtClean="0">
+                <a:solidFill>
+                  <a:schemeClr val="accent5">
+                    <a:lumMod val="60000"/>
+                    <a:lumOff val="40000"/>
+                  </a:schemeClr>
+                </a:solidFill>
                 <a:latin typeface="+mj-lt"/>
               </a:rPr>
               <a:t>Play the Game!</a:t>
             </a:r>
             <a:endParaRPr lang="en-US" sz="1600" b="1" dirty="0">
+              <a:solidFill>
+                <a:schemeClr val="accent5">
+                  <a:lumMod val="60000"/>
+                  <a:lumOff val="40000"/>
+                </a:schemeClr>
+              </a:solidFill>
               <a:latin typeface="+mj-lt"/>
             </a:endParaRPr>
           </a:p>
@@ -4604,9 +5540,9 @@
             <a:r>
               <a:rPr lang="nl-NL" sz="48000" dirty="0" smtClean="0">
                 <a:solidFill>
-                  <a:schemeClr val="tx1">
-                    <a:lumMod val="75000"/>
-                    <a:lumOff val="25000"/>
+                  <a:schemeClr val="accent5">
+                    <a:lumMod val="60000"/>
+                    <a:lumOff val="40000"/>
                   </a:schemeClr>
                 </a:solidFill>
                 <a:latin typeface="Gadugi" panose="020B0502040204020203" pitchFamily="34" charset="0"/>
@@ -4615,9 +5551,9 @@
             </a:r>
             <a:endParaRPr lang="en-US" sz="48000" dirty="0">
               <a:solidFill>
-                <a:schemeClr val="tx1">
-                  <a:lumMod val="75000"/>
-                  <a:lumOff val="25000"/>
+                <a:schemeClr val="accent5">
+                  <a:lumMod val="60000"/>
+                  <a:lumOff val="40000"/>
                 </a:schemeClr>
               </a:solidFill>
               <a:latin typeface="Gadugi" panose="020B0502040204020203" pitchFamily="34" charset="0"/>
@@ -4668,11 +5604,21 @@
           <a:p>
             <a:r>
               <a:rPr lang="nl-NL" sz="9600" dirty="0" err="1" smtClean="0">
+                <a:solidFill>
+                  <a:schemeClr val="accent5">
+                    <a:lumMod val="50000"/>
+                  </a:schemeClr>
+                </a:solidFill>
                 <a:latin typeface="Gadugi" panose="020B0502040204020203" pitchFamily="34" charset="0"/>
               </a:rPr>
               <a:t>Questions</a:t>
             </a:r>
             <a:endParaRPr lang="en-US" sz="9600" dirty="0">
+              <a:solidFill>
+                <a:schemeClr val="accent5">
+                  <a:lumMod val="50000"/>
+                </a:schemeClr>
+              </a:solidFill>
               <a:latin typeface="Gadugi" panose="020B0502040204020203" pitchFamily="34" charset="0"/>
             </a:endParaRPr>
           </a:p>
